--- a/Design.pptx
+++ b/Design.pptx
@@ -9531,7 +9531,7 @@
                 <a:latin typeface="Times New Roman" panose="02020603050405020304" pitchFamily="18" charset="0"/>
                 <a:cs typeface="Times New Roman" panose="02020603050405020304" pitchFamily="18" charset="0"/>
               </a:rPr>
-              <a:t>新規追加</a:t>
+              <a:t>新規登録</a:t>
             </a:r>
             <a:endParaRPr kumimoji="1" lang="ja-JP" altLang="en-US" dirty="0">
               <a:solidFill>
